--- a/소프트웨어코딩 8강 과제.pptx
+++ b/소프트웨어코딩 8강 과제.pptx
@@ -9,6 +9,28 @@
     <p:sldId id="257" r:id="rId3"/>
     <p:sldId id="258" r:id="rId4"/>
     <p:sldId id="259" r:id="rId5"/>
+    <p:sldId id="260" r:id="rId6"/>
+    <p:sldId id="261" r:id="rId7"/>
+    <p:sldId id="274" r:id="rId8"/>
+    <p:sldId id="275" r:id="rId9"/>
+    <p:sldId id="276" r:id="rId10"/>
+    <p:sldId id="277" r:id="rId11"/>
+    <p:sldId id="278" r:id="rId12"/>
+    <p:sldId id="279" r:id="rId13"/>
+    <p:sldId id="280" r:id="rId14"/>
+    <p:sldId id="281" r:id="rId15"/>
+    <p:sldId id="262" r:id="rId16"/>
+    <p:sldId id="263" r:id="rId17"/>
+    <p:sldId id="264" r:id="rId18"/>
+    <p:sldId id="265" r:id="rId19"/>
+    <p:sldId id="266" r:id="rId20"/>
+    <p:sldId id="273" r:id="rId21"/>
+    <p:sldId id="267" r:id="rId22"/>
+    <p:sldId id="268" r:id="rId23"/>
+    <p:sldId id="272" r:id="rId24"/>
+    <p:sldId id="269" r:id="rId25"/>
+    <p:sldId id="270" r:id="rId26"/>
+    <p:sldId id="271" r:id="rId27"/>
   </p:sldIdLst>
   <p:sldSz cx="12192000" cy="6858000"/>
   <p:notesSz cx="6858000" cy="9144000"/>
@@ -107,6 +129,11 @@
       </a:defRPr>
     </a:lvl9pPr>
   </p:defaultTextStyle>
+  <p:extLst>
+    <p:ext uri="{EFAFB233-063F-42B5-8137-9DF3F51BA10A}">
+      <p15:sldGuideLst xmlns:p15="http://schemas.microsoft.com/office/powerpoint/2012/main"/>
+    </p:ext>
+  </p:extLst>
 </p:presentation>
 </file>
 
@@ -241,7 +268,7 @@
           <a:p>
             <a:fld id="{34766199-F0DE-4701-BA40-EDF42A50589E}" type="datetimeFigureOut">
               <a:rPr lang="ko-KR" altLang="en-US" smtClean="0"/>
-              <a:t>2023-04-24</a:t>
+              <a:t>2023-04-30</a:t>
             </a:fld>
             <a:endParaRPr lang="ko-KR" altLang="en-US"/>
           </a:p>
@@ -411,7 +438,7 @@
           <a:p>
             <a:fld id="{34766199-F0DE-4701-BA40-EDF42A50589E}" type="datetimeFigureOut">
               <a:rPr lang="ko-KR" altLang="en-US" smtClean="0"/>
-              <a:t>2023-04-24</a:t>
+              <a:t>2023-04-30</a:t>
             </a:fld>
             <a:endParaRPr lang="ko-KR" altLang="en-US"/>
           </a:p>
@@ -591,7 +618,7 @@
           <a:p>
             <a:fld id="{34766199-F0DE-4701-BA40-EDF42A50589E}" type="datetimeFigureOut">
               <a:rPr lang="ko-KR" altLang="en-US" smtClean="0"/>
-              <a:t>2023-04-24</a:t>
+              <a:t>2023-04-30</a:t>
             </a:fld>
             <a:endParaRPr lang="ko-KR" altLang="en-US"/>
           </a:p>
@@ -761,7 +788,7 @@
           <a:p>
             <a:fld id="{34766199-F0DE-4701-BA40-EDF42A50589E}" type="datetimeFigureOut">
               <a:rPr lang="ko-KR" altLang="en-US" smtClean="0"/>
-              <a:t>2023-04-24</a:t>
+              <a:t>2023-04-30</a:t>
             </a:fld>
             <a:endParaRPr lang="ko-KR" altLang="en-US"/>
           </a:p>
@@ -1007,7 +1034,7 @@
           <a:p>
             <a:fld id="{34766199-F0DE-4701-BA40-EDF42A50589E}" type="datetimeFigureOut">
               <a:rPr lang="ko-KR" altLang="en-US" smtClean="0"/>
-              <a:t>2023-04-24</a:t>
+              <a:t>2023-04-30</a:t>
             </a:fld>
             <a:endParaRPr lang="ko-KR" altLang="en-US"/>
           </a:p>
@@ -1239,7 +1266,7 @@
           <a:p>
             <a:fld id="{34766199-F0DE-4701-BA40-EDF42A50589E}" type="datetimeFigureOut">
               <a:rPr lang="ko-KR" altLang="en-US" smtClean="0"/>
-              <a:t>2023-04-24</a:t>
+              <a:t>2023-04-30</a:t>
             </a:fld>
             <a:endParaRPr lang="ko-KR" altLang="en-US"/>
           </a:p>
@@ -1606,7 +1633,7 @@
           <a:p>
             <a:fld id="{34766199-F0DE-4701-BA40-EDF42A50589E}" type="datetimeFigureOut">
               <a:rPr lang="ko-KR" altLang="en-US" smtClean="0"/>
-              <a:t>2023-04-24</a:t>
+              <a:t>2023-04-30</a:t>
             </a:fld>
             <a:endParaRPr lang="ko-KR" altLang="en-US"/>
           </a:p>
@@ -1724,7 +1751,7 @@
           <a:p>
             <a:fld id="{34766199-F0DE-4701-BA40-EDF42A50589E}" type="datetimeFigureOut">
               <a:rPr lang="ko-KR" altLang="en-US" smtClean="0"/>
-              <a:t>2023-04-24</a:t>
+              <a:t>2023-04-30</a:t>
             </a:fld>
             <a:endParaRPr lang="ko-KR" altLang="en-US"/>
           </a:p>
@@ -1819,7 +1846,7 @@
           <a:p>
             <a:fld id="{34766199-F0DE-4701-BA40-EDF42A50589E}" type="datetimeFigureOut">
               <a:rPr lang="ko-KR" altLang="en-US" smtClean="0"/>
-              <a:t>2023-04-24</a:t>
+              <a:t>2023-04-30</a:t>
             </a:fld>
             <a:endParaRPr lang="ko-KR" altLang="en-US"/>
           </a:p>
@@ -2096,7 +2123,7 @@
           <a:p>
             <a:fld id="{34766199-F0DE-4701-BA40-EDF42A50589E}" type="datetimeFigureOut">
               <a:rPr lang="ko-KR" altLang="en-US" smtClean="0"/>
-              <a:t>2023-04-24</a:t>
+              <a:t>2023-04-30</a:t>
             </a:fld>
             <a:endParaRPr lang="ko-KR" altLang="en-US"/>
           </a:p>
@@ -2349,7 +2376,7 @@
           <a:p>
             <a:fld id="{34766199-F0DE-4701-BA40-EDF42A50589E}" type="datetimeFigureOut">
               <a:rPr lang="ko-KR" altLang="en-US" smtClean="0"/>
-              <a:t>2023-04-24</a:t>
+              <a:t>2023-04-30</a:t>
             </a:fld>
             <a:endParaRPr lang="ko-KR" altLang="en-US"/>
           </a:p>
@@ -2562,7 +2589,7 @@
           <a:p>
             <a:fld id="{34766199-F0DE-4701-BA40-EDF42A50589E}" type="datetimeFigureOut">
               <a:rPr lang="ko-KR" altLang="en-US" smtClean="0"/>
-              <a:t>2023-04-24</a:t>
+              <a:t>2023-04-30</a:t>
             </a:fld>
             <a:endParaRPr lang="ko-KR" altLang="en-US"/>
           </a:p>
@@ -3054,6 +3081,926 @@
 </p:sld>
 </file>
 
+<file path=ppt/slides/slide10.xml><?xml version="1.0" encoding="utf-8"?>
+<p:sld xmlns:a="http://schemas.openxmlformats.org/drawingml/2006/main" xmlns:r="http://schemas.openxmlformats.org/officeDocument/2006/relationships" xmlns:p="http://schemas.openxmlformats.org/presentationml/2006/main">
+  <p:cSld>
+    <p:spTree>
+      <p:nvGrpSpPr>
+        <p:cNvPr id="1" name=""/>
+        <p:cNvGrpSpPr/>
+        <p:nvPr/>
+      </p:nvGrpSpPr>
+      <p:grpSpPr>
+        <a:xfrm>
+          <a:off x="0" y="0"/>
+          <a:ext cx="0" cy="0"/>
+          <a:chOff x="0" y="0"/>
+          <a:chExt cx="0" cy="0"/>
+        </a:xfrm>
+      </p:grpSpPr>
+      <p:sp>
+        <p:nvSpPr>
+          <p:cNvPr id="2" name="제목 1"/>
+          <p:cNvSpPr>
+            <a:spLocks noGrp="1"/>
+          </p:cNvSpPr>
+          <p:nvPr>
+            <p:ph type="title"/>
+          </p:nvPr>
+        </p:nvSpPr>
+        <p:spPr/>
+        <p:txBody>
+          <a:bodyPr/>
+          <a:lstStyle/>
+          <a:p>
+            <a:endParaRPr lang="ko-KR" altLang="en-US"/>
+          </a:p>
+        </p:txBody>
+      </p:sp>
+      <p:sp>
+        <p:nvSpPr>
+          <p:cNvPr id="3" name="내용 개체 틀 2"/>
+          <p:cNvSpPr>
+            <a:spLocks noGrp="1"/>
+          </p:cNvSpPr>
+          <p:nvPr>
+            <p:ph idx="1"/>
+          </p:nvPr>
+        </p:nvSpPr>
+        <p:spPr/>
+        <p:txBody>
+          <a:bodyPr/>
+          <a:lstStyle/>
+          <a:p>
+            <a:endParaRPr lang="ko-KR" altLang="en-US"/>
+          </a:p>
+        </p:txBody>
+      </p:sp>
+      <p:pic>
+        <p:nvPicPr>
+          <p:cNvPr id="4" name="그림 3"/>
+          <p:cNvPicPr>
+            <a:picLocks noChangeAspect="1"/>
+          </p:cNvPicPr>
+          <p:nvPr/>
+        </p:nvPicPr>
+        <p:blipFill>
+          <a:blip r:embed="rId2"/>
+          <a:stretch>
+            <a:fillRect/>
+          </a:stretch>
+        </p:blipFill>
+        <p:spPr>
+          <a:xfrm>
+            <a:off x="838200" y="0"/>
+            <a:ext cx="8574203" cy="6858000"/>
+          </a:xfrm>
+          <a:prstGeom prst="rect">
+            <a:avLst/>
+          </a:prstGeom>
+        </p:spPr>
+      </p:pic>
+    </p:spTree>
+    <p:extLst>
+      <p:ext uri="{BB962C8B-B14F-4D97-AF65-F5344CB8AC3E}">
+        <p14:creationId xmlns:p14="http://schemas.microsoft.com/office/powerpoint/2010/main" val="2456305499"/>
+      </p:ext>
+    </p:extLst>
+  </p:cSld>
+  <p:clrMapOvr>
+    <a:masterClrMapping/>
+  </p:clrMapOvr>
+</p:sld>
+</file>
+
+<file path=ppt/slides/slide11.xml><?xml version="1.0" encoding="utf-8"?>
+<p:sld xmlns:a="http://schemas.openxmlformats.org/drawingml/2006/main" xmlns:r="http://schemas.openxmlformats.org/officeDocument/2006/relationships" xmlns:p="http://schemas.openxmlformats.org/presentationml/2006/main">
+  <p:cSld>
+    <p:spTree>
+      <p:nvGrpSpPr>
+        <p:cNvPr id="1" name=""/>
+        <p:cNvGrpSpPr/>
+        <p:nvPr/>
+      </p:nvGrpSpPr>
+      <p:grpSpPr>
+        <a:xfrm>
+          <a:off x="0" y="0"/>
+          <a:ext cx="0" cy="0"/>
+          <a:chOff x="0" y="0"/>
+          <a:chExt cx="0" cy="0"/>
+        </a:xfrm>
+      </p:grpSpPr>
+      <p:sp>
+        <p:nvSpPr>
+          <p:cNvPr id="2" name="제목 1"/>
+          <p:cNvSpPr>
+            <a:spLocks noGrp="1"/>
+          </p:cNvSpPr>
+          <p:nvPr>
+            <p:ph type="title"/>
+          </p:nvPr>
+        </p:nvSpPr>
+        <p:spPr/>
+        <p:txBody>
+          <a:bodyPr/>
+          <a:lstStyle/>
+          <a:p>
+            <a:endParaRPr lang="ko-KR" altLang="en-US"/>
+          </a:p>
+        </p:txBody>
+      </p:sp>
+      <p:sp>
+        <p:nvSpPr>
+          <p:cNvPr id="3" name="내용 개체 틀 2"/>
+          <p:cNvSpPr>
+            <a:spLocks noGrp="1"/>
+          </p:cNvSpPr>
+          <p:nvPr>
+            <p:ph idx="1"/>
+          </p:nvPr>
+        </p:nvSpPr>
+        <p:spPr/>
+        <p:txBody>
+          <a:bodyPr/>
+          <a:lstStyle/>
+          <a:p>
+            <a:endParaRPr lang="ko-KR" altLang="en-US"/>
+          </a:p>
+        </p:txBody>
+      </p:sp>
+      <p:pic>
+        <p:nvPicPr>
+          <p:cNvPr id="4" name="그림 3"/>
+          <p:cNvPicPr>
+            <a:picLocks noChangeAspect="1"/>
+          </p:cNvPicPr>
+          <p:nvPr/>
+        </p:nvPicPr>
+        <p:blipFill>
+          <a:blip r:embed="rId2"/>
+          <a:stretch>
+            <a:fillRect/>
+          </a:stretch>
+        </p:blipFill>
+        <p:spPr>
+          <a:xfrm>
+            <a:off x="838200" y="0"/>
+            <a:ext cx="10088383" cy="4363059"/>
+          </a:xfrm>
+          <a:prstGeom prst="rect">
+            <a:avLst/>
+          </a:prstGeom>
+        </p:spPr>
+      </p:pic>
+    </p:spTree>
+    <p:extLst>
+      <p:ext uri="{BB962C8B-B14F-4D97-AF65-F5344CB8AC3E}">
+        <p14:creationId xmlns:p14="http://schemas.microsoft.com/office/powerpoint/2010/main" val="1240089972"/>
+      </p:ext>
+    </p:extLst>
+  </p:cSld>
+  <p:clrMapOvr>
+    <a:masterClrMapping/>
+  </p:clrMapOvr>
+</p:sld>
+</file>
+
+<file path=ppt/slides/slide12.xml><?xml version="1.0" encoding="utf-8"?>
+<p:sld xmlns:a="http://schemas.openxmlformats.org/drawingml/2006/main" xmlns:r="http://schemas.openxmlformats.org/officeDocument/2006/relationships" xmlns:p="http://schemas.openxmlformats.org/presentationml/2006/main">
+  <p:cSld>
+    <p:spTree>
+      <p:nvGrpSpPr>
+        <p:cNvPr id="1" name=""/>
+        <p:cNvGrpSpPr/>
+        <p:nvPr/>
+      </p:nvGrpSpPr>
+      <p:grpSpPr>
+        <a:xfrm>
+          <a:off x="0" y="0"/>
+          <a:ext cx="0" cy="0"/>
+          <a:chOff x="0" y="0"/>
+          <a:chExt cx="0" cy="0"/>
+        </a:xfrm>
+      </p:grpSpPr>
+      <p:sp>
+        <p:nvSpPr>
+          <p:cNvPr id="2" name="제목 1"/>
+          <p:cNvSpPr>
+            <a:spLocks noGrp="1"/>
+          </p:cNvSpPr>
+          <p:nvPr>
+            <p:ph type="title"/>
+          </p:nvPr>
+        </p:nvSpPr>
+        <p:spPr/>
+        <p:txBody>
+          <a:bodyPr/>
+          <a:lstStyle/>
+          <a:p>
+            <a:endParaRPr lang="ko-KR" altLang="en-US"/>
+          </a:p>
+        </p:txBody>
+      </p:sp>
+      <p:sp>
+        <p:nvSpPr>
+          <p:cNvPr id="3" name="내용 개체 틀 2"/>
+          <p:cNvSpPr>
+            <a:spLocks noGrp="1"/>
+          </p:cNvSpPr>
+          <p:nvPr>
+            <p:ph idx="1"/>
+          </p:nvPr>
+        </p:nvSpPr>
+        <p:spPr/>
+        <p:txBody>
+          <a:bodyPr/>
+          <a:lstStyle/>
+          <a:p>
+            <a:endParaRPr lang="ko-KR" altLang="en-US"/>
+          </a:p>
+        </p:txBody>
+      </p:sp>
+      <p:pic>
+        <p:nvPicPr>
+          <p:cNvPr id="4" name="그림 3"/>
+          <p:cNvPicPr>
+            <a:picLocks noChangeAspect="1"/>
+          </p:cNvPicPr>
+          <p:nvPr/>
+        </p:nvPicPr>
+        <p:blipFill>
+          <a:blip r:embed="rId2"/>
+          <a:stretch>
+            <a:fillRect/>
+          </a:stretch>
+        </p:blipFill>
+        <p:spPr>
+          <a:xfrm>
+            <a:off x="0" y="365125"/>
+            <a:ext cx="12192000" cy="5694670"/>
+          </a:xfrm>
+          <a:prstGeom prst="rect">
+            <a:avLst/>
+          </a:prstGeom>
+        </p:spPr>
+      </p:pic>
+    </p:spTree>
+    <p:extLst>
+      <p:ext uri="{BB962C8B-B14F-4D97-AF65-F5344CB8AC3E}">
+        <p14:creationId xmlns:p14="http://schemas.microsoft.com/office/powerpoint/2010/main" val="2535778777"/>
+      </p:ext>
+    </p:extLst>
+  </p:cSld>
+  <p:clrMapOvr>
+    <a:masterClrMapping/>
+  </p:clrMapOvr>
+</p:sld>
+</file>
+
+<file path=ppt/slides/slide13.xml><?xml version="1.0" encoding="utf-8"?>
+<p:sld xmlns:a="http://schemas.openxmlformats.org/drawingml/2006/main" xmlns:r="http://schemas.openxmlformats.org/officeDocument/2006/relationships" xmlns:p="http://schemas.openxmlformats.org/presentationml/2006/main">
+  <p:cSld>
+    <p:spTree>
+      <p:nvGrpSpPr>
+        <p:cNvPr id="1" name=""/>
+        <p:cNvGrpSpPr/>
+        <p:nvPr/>
+      </p:nvGrpSpPr>
+      <p:grpSpPr>
+        <a:xfrm>
+          <a:off x="0" y="0"/>
+          <a:ext cx="0" cy="0"/>
+          <a:chOff x="0" y="0"/>
+          <a:chExt cx="0" cy="0"/>
+        </a:xfrm>
+      </p:grpSpPr>
+      <p:sp>
+        <p:nvSpPr>
+          <p:cNvPr id="2" name="제목 1"/>
+          <p:cNvSpPr>
+            <a:spLocks noGrp="1"/>
+          </p:cNvSpPr>
+          <p:nvPr>
+            <p:ph type="title"/>
+          </p:nvPr>
+        </p:nvSpPr>
+        <p:spPr/>
+        <p:txBody>
+          <a:bodyPr/>
+          <a:lstStyle/>
+          <a:p>
+            <a:endParaRPr lang="ko-KR" altLang="en-US"/>
+          </a:p>
+        </p:txBody>
+      </p:sp>
+      <p:sp>
+        <p:nvSpPr>
+          <p:cNvPr id="3" name="내용 개체 틀 2"/>
+          <p:cNvSpPr>
+            <a:spLocks noGrp="1"/>
+          </p:cNvSpPr>
+          <p:nvPr>
+            <p:ph idx="1"/>
+          </p:nvPr>
+        </p:nvSpPr>
+        <p:spPr/>
+        <p:txBody>
+          <a:bodyPr/>
+          <a:lstStyle/>
+          <a:p>
+            <a:endParaRPr lang="ko-KR" altLang="en-US"/>
+          </a:p>
+        </p:txBody>
+      </p:sp>
+      <p:pic>
+        <p:nvPicPr>
+          <p:cNvPr id="6" name="그림 5"/>
+          <p:cNvPicPr>
+            <a:picLocks noChangeAspect="1"/>
+          </p:cNvPicPr>
+          <p:nvPr/>
+        </p:nvPicPr>
+        <p:blipFill>
+          <a:blip r:embed="rId2"/>
+          <a:stretch>
+            <a:fillRect/>
+          </a:stretch>
+        </p:blipFill>
+        <p:spPr>
+          <a:xfrm>
+            <a:off x="644161" y="0"/>
+            <a:ext cx="10903678" cy="6858000"/>
+          </a:xfrm>
+          <a:prstGeom prst="rect">
+            <a:avLst/>
+          </a:prstGeom>
+        </p:spPr>
+      </p:pic>
+    </p:spTree>
+    <p:extLst>
+      <p:ext uri="{BB962C8B-B14F-4D97-AF65-F5344CB8AC3E}">
+        <p14:creationId xmlns:p14="http://schemas.microsoft.com/office/powerpoint/2010/main" val="840978957"/>
+      </p:ext>
+    </p:extLst>
+  </p:cSld>
+  <p:clrMapOvr>
+    <a:masterClrMapping/>
+  </p:clrMapOvr>
+</p:sld>
+</file>
+
+<file path=ppt/slides/slide14.xml><?xml version="1.0" encoding="utf-8"?>
+<p:sld xmlns:a="http://schemas.openxmlformats.org/drawingml/2006/main" xmlns:r="http://schemas.openxmlformats.org/officeDocument/2006/relationships" xmlns:p="http://schemas.openxmlformats.org/presentationml/2006/main">
+  <p:cSld>
+    <p:spTree>
+      <p:nvGrpSpPr>
+        <p:cNvPr id="1" name=""/>
+        <p:cNvGrpSpPr/>
+        <p:nvPr/>
+      </p:nvGrpSpPr>
+      <p:grpSpPr>
+        <a:xfrm>
+          <a:off x="0" y="0"/>
+          <a:ext cx="0" cy="0"/>
+          <a:chOff x="0" y="0"/>
+          <a:chExt cx="0" cy="0"/>
+        </a:xfrm>
+      </p:grpSpPr>
+      <p:sp>
+        <p:nvSpPr>
+          <p:cNvPr id="2" name="제목 1"/>
+          <p:cNvSpPr>
+            <a:spLocks noGrp="1"/>
+          </p:cNvSpPr>
+          <p:nvPr>
+            <p:ph type="title"/>
+          </p:nvPr>
+        </p:nvSpPr>
+        <p:spPr/>
+        <p:txBody>
+          <a:bodyPr/>
+          <a:lstStyle/>
+          <a:p>
+            <a:endParaRPr lang="ko-KR" altLang="en-US"/>
+          </a:p>
+        </p:txBody>
+      </p:sp>
+      <p:sp>
+        <p:nvSpPr>
+          <p:cNvPr id="3" name="내용 개체 틀 2"/>
+          <p:cNvSpPr>
+            <a:spLocks noGrp="1"/>
+          </p:cNvSpPr>
+          <p:nvPr>
+            <p:ph idx="1"/>
+          </p:nvPr>
+        </p:nvSpPr>
+        <p:spPr/>
+        <p:txBody>
+          <a:bodyPr/>
+          <a:lstStyle/>
+          <a:p>
+            <a:endParaRPr lang="ko-KR" altLang="en-US"/>
+          </a:p>
+        </p:txBody>
+      </p:sp>
+      <p:pic>
+        <p:nvPicPr>
+          <p:cNvPr id="4" name="그림 3"/>
+          <p:cNvPicPr>
+            <a:picLocks noChangeAspect="1"/>
+          </p:cNvPicPr>
+          <p:nvPr/>
+        </p:nvPicPr>
+        <p:blipFill>
+          <a:blip r:embed="rId2"/>
+          <a:stretch>
+            <a:fillRect/>
+          </a:stretch>
+        </p:blipFill>
+        <p:spPr>
+          <a:xfrm>
+            <a:off x="0" y="365125"/>
+            <a:ext cx="12192000" cy="4647908"/>
+          </a:xfrm>
+          <a:prstGeom prst="rect">
+            <a:avLst/>
+          </a:prstGeom>
+        </p:spPr>
+      </p:pic>
+    </p:spTree>
+    <p:extLst>
+      <p:ext uri="{BB962C8B-B14F-4D97-AF65-F5344CB8AC3E}">
+        <p14:creationId xmlns:p14="http://schemas.microsoft.com/office/powerpoint/2010/main" val="40181059"/>
+      </p:ext>
+    </p:extLst>
+  </p:cSld>
+  <p:clrMapOvr>
+    <a:masterClrMapping/>
+  </p:clrMapOvr>
+</p:sld>
+</file>
+
+<file path=ppt/slides/slide15.xml><?xml version="1.0" encoding="utf-8"?>
+<p:sld xmlns:a="http://schemas.openxmlformats.org/drawingml/2006/main" xmlns:r="http://schemas.openxmlformats.org/officeDocument/2006/relationships" xmlns:p="http://schemas.openxmlformats.org/presentationml/2006/main">
+  <p:cSld>
+    <p:spTree>
+      <p:nvGrpSpPr>
+        <p:cNvPr id="1" name=""/>
+        <p:cNvGrpSpPr/>
+        <p:nvPr/>
+      </p:nvGrpSpPr>
+      <p:grpSpPr>
+        <a:xfrm>
+          <a:off x="0" y="0"/>
+          <a:ext cx="0" cy="0"/>
+          <a:chOff x="0" y="0"/>
+          <a:chExt cx="0" cy="0"/>
+        </a:xfrm>
+      </p:grpSpPr>
+      <p:sp>
+        <p:nvSpPr>
+          <p:cNvPr id="2" name="제목 1"/>
+          <p:cNvSpPr>
+            <a:spLocks noGrp="1"/>
+          </p:cNvSpPr>
+          <p:nvPr>
+            <p:ph type="title"/>
+          </p:nvPr>
+        </p:nvSpPr>
+        <p:spPr/>
+        <p:txBody>
+          <a:bodyPr/>
+          <a:lstStyle/>
+          <a:p>
+            <a:endParaRPr lang="ko-KR" altLang="en-US"/>
+          </a:p>
+        </p:txBody>
+      </p:sp>
+      <p:sp>
+        <p:nvSpPr>
+          <p:cNvPr id="3" name="내용 개체 틀 2"/>
+          <p:cNvSpPr>
+            <a:spLocks noGrp="1"/>
+          </p:cNvSpPr>
+          <p:nvPr>
+            <p:ph idx="1"/>
+          </p:nvPr>
+        </p:nvSpPr>
+        <p:spPr/>
+        <p:txBody>
+          <a:bodyPr/>
+          <a:lstStyle/>
+          <a:p>
+            <a:endParaRPr lang="ko-KR" altLang="en-US"/>
+          </a:p>
+        </p:txBody>
+      </p:sp>
+      <p:pic>
+        <p:nvPicPr>
+          <p:cNvPr id="4" name="그림 3"/>
+          <p:cNvPicPr>
+            <a:picLocks noChangeAspect="1"/>
+          </p:cNvPicPr>
+          <p:nvPr/>
+        </p:nvPicPr>
+        <p:blipFill>
+          <a:blip r:embed="rId2"/>
+          <a:stretch>
+            <a:fillRect/>
+          </a:stretch>
+        </p:blipFill>
+        <p:spPr>
+          <a:xfrm>
+            <a:off x="838200" y="0"/>
+            <a:ext cx="10117917" cy="6858000"/>
+          </a:xfrm>
+          <a:prstGeom prst="rect">
+            <a:avLst/>
+          </a:prstGeom>
+        </p:spPr>
+      </p:pic>
+    </p:spTree>
+    <p:extLst>
+      <p:ext uri="{BB962C8B-B14F-4D97-AF65-F5344CB8AC3E}">
+        <p14:creationId xmlns:p14="http://schemas.microsoft.com/office/powerpoint/2010/main" val="1743948506"/>
+      </p:ext>
+    </p:extLst>
+  </p:cSld>
+  <p:clrMapOvr>
+    <a:masterClrMapping/>
+  </p:clrMapOvr>
+</p:sld>
+</file>
+
+<file path=ppt/slides/slide16.xml><?xml version="1.0" encoding="utf-8"?>
+<p:sld xmlns:a="http://schemas.openxmlformats.org/drawingml/2006/main" xmlns:r="http://schemas.openxmlformats.org/officeDocument/2006/relationships" xmlns:p="http://schemas.openxmlformats.org/presentationml/2006/main">
+  <p:cSld>
+    <p:spTree>
+      <p:nvGrpSpPr>
+        <p:cNvPr id="1" name=""/>
+        <p:cNvGrpSpPr/>
+        <p:nvPr/>
+      </p:nvGrpSpPr>
+      <p:grpSpPr>
+        <a:xfrm>
+          <a:off x="0" y="0"/>
+          <a:ext cx="0" cy="0"/>
+          <a:chOff x="0" y="0"/>
+          <a:chExt cx="0" cy="0"/>
+        </a:xfrm>
+      </p:grpSpPr>
+      <p:sp>
+        <p:nvSpPr>
+          <p:cNvPr id="2" name="제목 1"/>
+          <p:cNvSpPr>
+            <a:spLocks noGrp="1"/>
+          </p:cNvSpPr>
+          <p:nvPr>
+            <p:ph type="title"/>
+          </p:nvPr>
+        </p:nvSpPr>
+        <p:spPr/>
+        <p:txBody>
+          <a:bodyPr/>
+          <a:lstStyle/>
+          <a:p>
+            <a:endParaRPr lang="ko-KR" altLang="en-US"/>
+          </a:p>
+        </p:txBody>
+      </p:sp>
+      <p:sp>
+        <p:nvSpPr>
+          <p:cNvPr id="3" name="내용 개체 틀 2"/>
+          <p:cNvSpPr>
+            <a:spLocks noGrp="1"/>
+          </p:cNvSpPr>
+          <p:nvPr>
+            <p:ph idx="1"/>
+          </p:nvPr>
+        </p:nvSpPr>
+        <p:spPr/>
+        <p:txBody>
+          <a:bodyPr/>
+          <a:lstStyle/>
+          <a:p>
+            <a:endParaRPr lang="ko-KR" altLang="en-US"/>
+          </a:p>
+        </p:txBody>
+      </p:sp>
+      <p:pic>
+        <p:nvPicPr>
+          <p:cNvPr id="4" name="그림 3"/>
+          <p:cNvPicPr>
+            <a:picLocks noChangeAspect="1"/>
+          </p:cNvPicPr>
+          <p:nvPr/>
+        </p:nvPicPr>
+        <p:blipFill>
+          <a:blip r:embed="rId2"/>
+          <a:stretch>
+            <a:fillRect/>
+          </a:stretch>
+        </p:blipFill>
+        <p:spPr>
+          <a:xfrm>
+            <a:off x="621870" y="0"/>
+            <a:ext cx="10948259" cy="6858000"/>
+          </a:xfrm>
+          <a:prstGeom prst="rect">
+            <a:avLst/>
+          </a:prstGeom>
+        </p:spPr>
+      </p:pic>
+    </p:spTree>
+    <p:extLst>
+      <p:ext uri="{BB962C8B-B14F-4D97-AF65-F5344CB8AC3E}">
+        <p14:creationId xmlns:p14="http://schemas.microsoft.com/office/powerpoint/2010/main" val="4085655901"/>
+      </p:ext>
+    </p:extLst>
+  </p:cSld>
+  <p:clrMapOvr>
+    <a:masterClrMapping/>
+  </p:clrMapOvr>
+</p:sld>
+</file>
+
+<file path=ppt/slides/slide17.xml><?xml version="1.0" encoding="utf-8"?>
+<p:sld xmlns:a="http://schemas.openxmlformats.org/drawingml/2006/main" xmlns:r="http://schemas.openxmlformats.org/officeDocument/2006/relationships" xmlns:p="http://schemas.openxmlformats.org/presentationml/2006/main">
+  <p:cSld>
+    <p:spTree>
+      <p:nvGrpSpPr>
+        <p:cNvPr id="1" name=""/>
+        <p:cNvGrpSpPr/>
+        <p:nvPr/>
+      </p:nvGrpSpPr>
+      <p:grpSpPr>
+        <a:xfrm>
+          <a:off x="0" y="0"/>
+          <a:ext cx="0" cy="0"/>
+          <a:chOff x="0" y="0"/>
+          <a:chExt cx="0" cy="0"/>
+        </a:xfrm>
+      </p:grpSpPr>
+      <p:sp>
+        <p:nvSpPr>
+          <p:cNvPr id="2" name="제목 1"/>
+          <p:cNvSpPr>
+            <a:spLocks noGrp="1"/>
+          </p:cNvSpPr>
+          <p:nvPr>
+            <p:ph type="title"/>
+          </p:nvPr>
+        </p:nvSpPr>
+        <p:spPr/>
+        <p:txBody>
+          <a:bodyPr/>
+          <a:lstStyle/>
+          <a:p>
+            <a:endParaRPr lang="ko-KR" altLang="en-US"/>
+          </a:p>
+        </p:txBody>
+      </p:sp>
+      <p:sp>
+        <p:nvSpPr>
+          <p:cNvPr id="3" name="내용 개체 틀 2"/>
+          <p:cNvSpPr>
+            <a:spLocks noGrp="1"/>
+          </p:cNvSpPr>
+          <p:nvPr>
+            <p:ph idx="1"/>
+          </p:nvPr>
+        </p:nvSpPr>
+        <p:spPr/>
+        <p:txBody>
+          <a:bodyPr/>
+          <a:lstStyle/>
+          <a:p>
+            <a:endParaRPr lang="ko-KR" altLang="en-US"/>
+          </a:p>
+        </p:txBody>
+      </p:sp>
+      <p:pic>
+        <p:nvPicPr>
+          <p:cNvPr id="4" name="그림 3"/>
+          <p:cNvPicPr>
+            <a:picLocks noChangeAspect="1"/>
+          </p:cNvPicPr>
+          <p:nvPr/>
+        </p:nvPicPr>
+        <p:blipFill>
+          <a:blip r:embed="rId2"/>
+          <a:stretch>
+            <a:fillRect/>
+          </a:stretch>
+        </p:blipFill>
+        <p:spPr>
+          <a:xfrm>
+            <a:off x="0" y="365125"/>
+            <a:ext cx="12192000" cy="2350992"/>
+          </a:xfrm>
+          <a:prstGeom prst="rect">
+            <a:avLst/>
+          </a:prstGeom>
+        </p:spPr>
+      </p:pic>
+    </p:spTree>
+    <p:extLst>
+      <p:ext uri="{BB962C8B-B14F-4D97-AF65-F5344CB8AC3E}">
+        <p14:creationId xmlns:p14="http://schemas.microsoft.com/office/powerpoint/2010/main" val="1326755603"/>
+      </p:ext>
+    </p:extLst>
+  </p:cSld>
+  <p:clrMapOvr>
+    <a:masterClrMapping/>
+  </p:clrMapOvr>
+</p:sld>
+</file>
+
+<file path=ppt/slides/slide18.xml><?xml version="1.0" encoding="utf-8"?>
+<p:sld xmlns:a="http://schemas.openxmlformats.org/drawingml/2006/main" xmlns:r="http://schemas.openxmlformats.org/officeDocument/2006/relationships" xmlns:p="http://schemas.openxmlformats.org/presentationml/2006/main">
+  <p:cSld>
+    <p:spTree>
+      <p:nvGrpSpPr>
+        <p:cNvPr id="1" name=""/>
+        <p:cNvGrpSpPr/>
+        <p:nvPr/>
+      </p:nvGrpSpPr>
+      <p:grpSpPr>
+        <a:xfrm>
+          <a:off x="0" y="0"/>
+          <a:ext cx="0" cy="0"/>
+          <a:chOff x="0" y="0"/>
+          <a:chExt cx="0" cy="0"/>
+        </a:xfrm>
+      </p:grpSpPr>
+      <p:sp>
+        <p:nvSpPr>
+          <p:cNvPr id="2" name="제목 1"/>
+          <p:cNvSpPr>
+            <a:spLocks noGrp="1"/>
+          </p:cNvSpPr>
+          <p:nvPr>
+            <p:ph type="title"/>
+          </p:nvPr>
+        </p:nvSpPr>
+        <p:spPr/>
+        <p:txBody>
+          <a:bodyPr/>
+          <a:lstStyle/>
+          <a:p>
+            <a:endParaRPr lang="ko-KR" altLang="en-US"/>
+          </a:p>
+        </p:txBody>
+      </p:sp>
+      <p:sp>
+        <p:nvSpPr>
+          <p:cNvPr id="3" name="내용 개체 틀 2"/>
+          <p:cNvSpPr>
+            <a:spLocks noGrp="1"/>
+          </p:cNvSpPr>
+          <p:nvPr>
+            <p:ph idx="1"/>
+          </p:nvPr>
+        </p:nvSpPr>
+        <p:spPr/>
+        <p:txBody>
+          <a:bodyPr/>
+          <a:lstStyle/>
+          <a:p>
+            <a:endParaRPr lang="ko-KR" altLang="en-US"/>
+          </a:p>
+        </p:txBody>
+      </p:sp>
+      <p:pic>
+        <p:nvPicPr>
+          <p:cNvPr id="4" name="그림 3"/>
+          <p:cNvPicPr>
+            <a:picLocks noChangeAspect="1"/>
+          </p:cNvPicPr>
+          <p:nvPr/>
+        </p:nvPicPr>
+        <p:blipFill>
+          <a:blip r:embed="rId2"/>
+          <a:stretch>
+            <a:fillRect/>
+          </a:stretch>
+        </p:blipFill>
+        <p:spPr>
+          <a:xfrm>
+            <a:off x="838200" y="0"/>
+            <a:ext cx="8240497" cy="6858000"/>
+          </a:xfrm>
+          <a:prstGeom prst="rect">
+            <a:avLst/>
+          </a:prstGeom>
+        </p:spPr>
+      </p:pic>
+    </p:spTree>
+    <p:extLst>
+      <p:ext uri="{BB962C8B-B14F-4D97-AF65-F5344CB8AC3E}">
+        <p14:creationId xmlns:p14="http://schemas.microsoft.com/office/powerpoint/2010/main" val="2873566584"/>
+      </p:ext>
+    </p:extLst>
+  </p:cSld>
+  <p:clrMapOvr>
+    <a:masterClrMapping/>
+  </p:clrMapOvr>
+</p:sld>
+</file>
+
+<file path=ppt/slides/slide19.xml><?xml version="1.0" encoding="utf-8"?>
+<p:sld xmlns:a="http://schemas.openxmlformats.org/drawingml/2006/main" xmlns:r="http://schemas.openxmlformats.org/officeDocument/2006/relationships" xmlns:p="http://schemas.openxmlformats.org/presentationml/2006/main">
+  <p:cSld>
+    <p:spTree>
+      <p:nvGrpSpPr>
+        <p:cNvPr id="1" name=""/>
+        <p:cNvGrpSpPr/>
+        <p:nvPr/>
+      </p:nvGrpSpPr>
+      <p:grpSpPr>
+        <a:xfrm>
+          <a:off x="0" y="0"/>
+          <a:ext cx="0" cy="0"/>
+          <a:chOff x="0" y="0"/>
+          <a:chExt cx="0" cy="0"/>
+        </a:xfrm>
+      </p:grpSpPr>
+      <p:sp>
+        <p:nvSpPr>
+          <p:cNvPr id="2" name="제목 1"/>
+          <p:cNvSpPr>
+            <a:spLocks noGrp="1"/>
+          </p:cNvSpPr>
+          <p:nvPr>
+            <p:ph type="title"/>
+          </p:nvPr>
+        </p:nvSpPr>
+        <p:spPr/>
+        <p:txBody>
+          <a:bodyPr/>
+          <a:lstStyle/>
+          <a:p>
+            <a:endParaRPr lang="ko-KR" altLang="en-US"/>
+          </a:p>
+        </p:txBody>
+      </p:sp>
+      <p:sp>
+        <p:nvSpPr>
+          <p:cNvPr id="3" name="내용 개체 틀 2"/>
+          <p:cNvSpPr>
+            <a:spLocks noGrp="1"/>
+          </p:cNvSpPr>
+          <p:nvPr>
+            <p:ph idx="1"/>
+          </p:nvPr>
+        </p:nvSpPr>
+        <p:spPr/>
+        <p:txBody>
+          <a:bodyPr/>
+          <a:lstStyle/>
+          <a:p>
+            <a:endParaRPr lang="ko-KR" altLang="en-US"/>
+          </a:p>
+        </p:txBody>
+      </p:sp>
+      <p:pic>
+        <p:nvPicPr>
+          <p:cNvPr id="4" name="그림 3"/>
+          <p:cNvPicPr>
+            <a:picLocks noChangeAspect="1"/>
+          </p:cNvPicPr>
+          <p:nvPr/>
+        </p:nvPicPr>
+        <p:blipFill>
+          <a:blip r:embed="rId2"/>
+          <a:stretch>
+            <a:fillRect/>
+          </a:stretch>
+        </p:blipFill>
+        <p:spPr>
+          <a:xfrm>
+            <a:off x="0" y="365125"/>
+            <a:ext cx="12192000" cy="5156691"/>
+          </a:xfrm>
+          <a:prstGeom prst="rect">
+            <a:avLst/>
+          </a:prstGeom>
+        </p:spPr>
+      </p:pic>
+    </p:spTree>
+    <p:extLst>
+      <p:ext uri="{BB962C8B-B14F-4D97-AF65-F5344CB8AC3E}">
+        <p14:creationId xmlns:p14="http://schemas.microsoft.com/office/powerpoint/2010/main" val="2257956155"/>
+      </p:ext>
+    </p:extLst>
+  </p:cSld>
+  <p:clrMapOvr>
+    <a:masterClrMapping/>
+  </p:clrMapOvr>
+</p:sld>
+</file>
+
 <file path=ppt/slides/slide2.xml><?xml version="1.0" encoding="utf-8"?>
 <p:sld xmlns:a="http://schemas.openxmlformats.org/drawingml/2006/main" xmlns:r="http://schemas.openxmlformats.org/officeDocument/2006/relationships" xmlns:p="http://schemas.openxmlformats.org/presentationml/2006/main">
   <p:cSld>
@@ -3109,10 +4056,702 @@
           </a:p>
         </p:txBody>
       </p:sp>
+      <p:pic>
+        <p:nvPicPr>
+          <p:cNvPr id="4" name="그림 3"/>
+          <p:cNvPicPr>
+            <a:picLocks noChangeAspect="1"/>
+          </p:cNvPicPr>
+          <p:nvPr/>
+        </p:nvPicPr>
+        <p:blipFill>
+          <a:blip r:embed="rId2"/>
+          <a:stretch>
+            <a:fillRect/>
+          </a:stretch>
+        </p:blipFill>
+        <p:spPr>
+          <a:xfrm>
+            <a:off x="838200" y="0"/>
+            <a:ext cx="10015538" cy="6858000"/>
+          </a:xfrm>
+          <a:prstGeom prst="rect">
+            <a:avLst/>
+          </a:prstGeom>
+        </p:spPr>
+      </p:pic>
     </p:spTree>
     <p:extLst>
       <p:ext uri="{BB962C8B-B14F-4D97-AF65-F5344CB8AC3E}">
         <p14:creationId xmlns:p14="http://schemas.microsoft.com/office/powerpoint/2010/main" val="1984921085"/>
+      </p:ext>
+    </p:extLst>
+  </p:cSld>
+  <p:clrMapOvr>
+    <a:masterClrMapping/>
+  </p:clrMapOvr>
+</p:sld>
+</file>
+
+<file path=ppt/slides/slide20.xml><?xml version="1.0" encoding="utf-8"?>
+<p:sld xmlns:a="http://schemas.openxmlformats.org/drawingml/2006/main" xmlns:r="http://schemas.openxmlformats.org/officeDocument/2006/relationships" xmlns:p="http://schemas.openxmlformats.org/presentationml/2006/main">
+  <p:cSld>
+    <p:spTree>
+      <p:nvGrpSpPr>
+        <p:cNvPr id="1" name=""/>
+        <p:cNvGrpSpPr/>
+        <p:nvPr/>
+      </p:nvGrpSpPr>
+      <p:grpSpPr>
+        <a:xfrm>
+          <a:off x="0" y="0"/>
+          <a:ext cx="0" cy="0"/>
+          <a:chOff x="0" y="0"/>
+          <a:chExt cx="0" cy="0"/>
+        </a:xfrm>
+      </p:grpSpPr>
+      <p:sp>
+        <p:nvSpPr>
+          <p:cNvPr id="2" name="제목 1"/>
+          <p:cNvSpPr>
+            <a:spLocks noGrp="1"/>
+          </p:cNvSpPr>
+          <p:nvPr>
+            <p:ph type="title"/>
+          </p:nvPr>
+        </p:nvSpPr>
+        <p:spPr/>
+        <p:txBody>
+          <a:bodyPr/>
+          <a:lstStyle/>
+          <a:p>
+            <a:endParaRPr lang="ko-KR" altLang="en-US"/>
+          </a:p>
+        </p:txBody>
+      </p:sp>
+      <p:sp>
+        <p:nvSpPr>
+          <p:cNvPr id="3" name="내용 개체 틀 2"/>
+          <p:cNvSpPr>
+            <a:spLocks noGrp="1"/>
+          </p:cNvSpPr>
+          <p:nvPr>
+            <p:ph idx="1"/>
+          </p:nvPr>
+        </p:nvSpPr>
+        <p:spPr/>
+        <p:txBody>
+          <a:bodyPr/>
+          <a:lstStyle/>
+          <a:p>
+            <a:endParaRPr lang="ko-KR" altLang="en-US"/>
+          </a:p>
+        </p:txBody>
+      </p:sp>
+      <p:pic>
+        <p:nvPicPr>
+          <p:cNvPr id="4" name="그림 3"/>
+          <p:cNvPicPr>
+            <a:picLocks noChangeAspect="1"/>
+          </p:cNvPicPr>
+          <p:nvPr/>
+        </p:nvPicPr>
+        <p:blipFill>
+          <a:blip r:embed="rId2"/>
+          <a:stretch>
+            <a:fillRect/>
+          </a:stretch>
+        </p:blipFill>
+        <p:spPr>
+          <a:xfrm>
+            <a:off x="1423028" y="0"/>
+            <a:ext cx="9345943" cy="6858000"/>
+          </a:xfrm>
+          <a:prstGeom prst="rect">
+            <a:avLst/>
+          </a:prstGeom>
+        </p:spPr>
+      </p:pic>
+    </p:spTree>
+    <p:extLst>
+      <p:ext uri="{BB962C8B-B14F-4D97-AF65-F5344CB8AC3E}">
+        <p14:creationId xmlns:p14="http://schemas.microsoft.com/office/powerpoint/2010/main" val="1395385358"/>
+      </p:ext>
+    </p:extLst>
+  </p:cSld>
+  <p:clrMapOvr>
+    <a:masterClrMapping/>
+  </p:clrMapOvr>
+</p:sld>
+</file>
+
+<file path=ppt/slides/slide21.xml><?xml version="1.0" encoding="utf-8"?>
+<p:sld xmlns:a="http://schemas.openxmlformats.org/drawingml/2006/main" xmlns:r="http://schemas.openxmlformats.org/officeDocument/2006/relationships" xmlns:p="http://schemas.openxmlformats.org/presentationml/2006/main">
+  <p:cSld>
+    <p:spTree>
+      <p:nvGrpSpPr>
+        <p:cNvPr id="1" name=""/>
+        <p:cNvGrpSpPr/>
+        <p:nvPr/>
+      </p:nvGrpSpPr>
+      <p:grpSpPr>
+        <a:xfrm>
+          <a:off x="0" y="0"/>
+          <a:ext cx="0" cy="0"/>
+          <a:chOff x="0" y="0"/>
+          <a:chExt cx="0" cy="0"/>
+        </a:xfrm>
+      </p:grpSpPr>
+      <p:sp>
+        <p:nvSpPr>
+          <p:cNvPr id="2" name="제목 1"/>
+          <p:cNvSpPr>
+            <a:spLocks noGrp="1"/>
+          </p:cNvSpPr>
+          <p:nvPr>
+            <p:ph type="title"/>
+          </p:nvPr>
+        </p:nvSpPr>
+        <p:spPr/>
+        <p:txBody>
+          <a:bodyPr/>
+          <a:lstStyle/>
+          <a:p>
+            <a:endParaRPr lang="ko-KR" altLang="en-US"/>
+          </a:p>
+        </p:txBody>
+      </p:sp>
+      <p:sp>
+        <p:nvSpPr>
+          <p:cNvPr id="3" name="내용 개체 틀 2"/>
+          <p:cNvSpPr>
+            <a:spLocks noGrp="1"/>
+          </p:cNvSpPr>
+          <p:nvPr>
+            <p:ph idx="1"/>
+          </p:nvPr>
+        </p:nvSpPr>
+        <p:spPr/>
+        <p:txBody>
+          <a:bodyPr/>
+          <a:lstStyle/>
+          <a:p>
+            <a:endParaRPr lang="ko-KR" altLang="en-US"/>
+          </a:p>
+        </p:txBody>
+      </p:sp>
+      <p:pic>
+        <p:nvPicPr>
+          <p:cNvPr id="4" name="그림 3"/>
+          <p:cNvPicPr>
+            <a:picLocks noChangeAspect="1"/>
+          </p:cNvPicPr>
+          <p:nvPr/>
+        </p:nvPicPr>
+        <p:blipFill>
+          <a:blip r:embed="rId2"/>
+          <a:stretch>
+            <a:fillRect/>
+          </a:stretch>
+        </p:blipFill>
+        <p:spPr>
+          <a:xfrm>
+            <a:off x="838200" y="0"/>
+            <a:ext cx="8202439" cy="6858000"/>
+          </a:xfrm>
+          <a:prstGeom prst="rect">
+            <a:avLst/>
+          </a:prstGeom>
+        </p:spPr>
+      </p:pic>
+    </p:spTree>
+    <p:extLst>
+      <p:ext uri="{BB962C8B-B14F-4D97-AF65-F5344CB8AC3E}">
+        <p14:creationId xmlns:p14="http://schemas.microsoft.com/office/powerpoint/2010/main" val="3161935494"/>
+      </p:ext>
+    </p:extLst>
+  </p:cSld>
+  <p:clrMapOvr>
+    <a:masterClrMapping/>
+  </p:clrMapOvr>
+</p:sld>
+</file>
+
+<file path=ppt/slides/slide22.xml><?xml version="1.0" encoding="utf-8"?>
+<p:sld xmlns:a="http://schemas.openxmlformats.org/drawingml/2006/main" xmlns:r="http://schemas.openxmlformats.org/officeDocument/2006/relationships" xmlns:p="http://schemas.openxmlformats.org/presentationml/2006/main">
+  <p:cSld>
+    <p:spTree>
+      <p:nvGrpSpPr>
+        <p:cNvPr id="1" name=""/>
+        <p:cNvGrpSpPr/>
+        <p:nvPr/>
+      </p:nvGrpSpPr>
+      <p:grpSpPr>
+        <a:xfrm>
+          <a:off x="0" y="0"/>
+          <a:ext cx="0" cy="0"/>
+          <a:chOff x="0" y="0"/>
+          <a:chExt cx="0" cy="0"/>
+        </a:xfrm>
+      </p:grpSpPr>
+      <p:sp>
+        <p:nvSpPr>
+          <p:cNvPr id="2" name="제목 1"/>
+          <p:cNvSpPr>
+            <a:spLocks noGrp="1"/>
+          </p:cNvSpPr>
+          <p:nvPr>
+            <p:ph type="title"/>
+          </p:nvPr>
+        </p:nvSpPr>
+        <p:spPr/>
+        <p:txBody>
+          <a:bodyPr/>
+          <a:lstStyle/>
+          <a:p>
+            <a:endParaRPr lang="ko-KR" altLang="en-US"/>
+          </a:p>
+        </p:txBody>
+      </p:sp>
+      <p:sp>
+        <p:nvSpPr>
+          <p:cNvPr id="3" name="내용 개체 틀 2"/>
+          <p:cNvSpPr>
+            <a:spLocks noGrp="1"/>
+          </p:cNvSpPr>
+          <p:nvPr>
+            <p:ph idx="1"/>
+          </p:nvPr>
+        </p:nvSpPr>
+        <p:spPr/>
+        <p:txBody>
+          <a:bodyPr/>
+          <a:lstStyle/>
+          <a:p>
+            <a:endParaRPr lang="ko-KR" altLang="en-US"/>
+          </a:p>
+        </p:txBody>
+      </p:sp>
+      <p:pic>
+        <p:nvPicPr>
+          <p:cNvPr id="4" name="그림 3"/>
+          <p:cNvPicPr>
+            <a:picLocks noChangeAspect="1"/>
+          </p:cNvPicPr>
+          <p:nvPr/>
+        </p:nvPicPr>
+        <p:blipFill>
+          <a:blip r:embed="rId2"/>
+          <a:stretch>
+            <a:fillRect/>
+          </a:stretch>
+        </p:blipFill>
+        <p:spPr>
+          <a:xfrm>
+            <a:off x="0" y="365125"/>
+            <a:ext cx="12192000" cy="6004446"/>
+          </a:xfrm>
+          <a:prstGeom prst="rect">
+            <a:avLst/>
+          </a:prstGeom>
+        </p:spPr>
+      </p:pic>
+    </p:spTree>
+    <p:extLst>
+      <p:ext uri="{BB962C8B-B14F-4D97-AF65-F5344CB8AC3E}">
+        <p14:creationId xmlns:p14="http://schemas.microsoft.com/office/powerpoint/2010/main" val="1041288109"/>
+      </p:ext>
+    </p:extLst>
+  </p:cSld>
+  <p:clrMapOvr>
+    <a:masterClrMapping/>
+  </p:clrMapOvr>
+</p:sld>
+</file>
+
+<file path=ppt/slides/slide23.xml><?xml version="1.0" encoding="utf-8"?>
+<p:sld xmlns:a="http://schemas.openxmlformats.org/drawingml/2006/main" xmlns:r="http://schemas.openxmlformats.org/officeDocument/2006/relationships" xmlns:p="http://schemas.openxmlformats.org/presentationml/2006/main">
+  <p:cSld>
+    <p:spTree>
+      <p:nvGrpSpPr>
+        <p:cNvPr id="1" name=""/>
+        <p:cNvGrpSpPr/>
+        <p:nvPr/>
+      </p:nvGrpSpPr>
+      <p:grpSpPr>
+        <a:xfrm>
+          <a:off x="0" y="0"/>
+          <a:ext cx="0" cy="0"/>
+          <a:chOff x="0" y="0"/>
+          <a:chExt cx="0" cy="0"/>
+        </a:xfrm>
+      </p:grpSpPr>
+      <p:sp>
+        <p:nvSpPr>
+          <p:cNvPr id="2" name="제목 1"/>
+          <p:cNvSpPr>
+            <a:spLocks noGrp="1"/>
+          </p:cNvSpPr>
+          <p:nvPr>
+            <p:ph type="title"/>
+          </p:nvPr>
+        </p:nvSpPr>
+        <p:spPr/>
+        <p:txBody>
+          <a:bodyPr/>
+          <a:lstStyle/>
+          <a:p>
+            <a:endParaRPr lang="ko-KR" altLang="en-US"/>
+          </a:p>
+        </p:txBody>
+      </p:sp>
+      <p:sp>
+        <p:nvSpPr>
+          <p:cNvPr id="3" name="내용 개체 틀 2"/>
+          <p:cNvSpPr>
+            <a:spLocks noGrp="1"/>
+          </p:cNvSpPr>
+          <p:nvPr>
+            <p:ph idx="1"/>
+          </p:nvPr>
+        </p:nvSpPr>
+        <p:spPr/>
+        <p:txBody>
+          <a:bodyPr/>
+          <a:lstStyle/>
+          <a:p>
+            <a:endParaRPr lang="ko-KR" altLang="en-US"/>
+          </a:p>
+        </p:txBody>
+      </p:sp>
+      <p:pic>
+        <p:nvPicPr>
+          <p:cNvPr id="4" name="그림 3"/>
+          <p:cNvPicPr>
+            <a:picLocks noChangeAspect="1"/>
+          </p:cNvPicPr>
+          <p:nvPr/>
+        </p:nvPicPr>
+        <p:blipFill>
+          <a:blip r:embed="rId2"/>
+          <a:stretch>
+            <a:fillRect/>
+          </a:stretch>
+        </p:blipFill>
+        <p:spPr>
+          <a:xfrm>
+            <a:off x="1433692" y="0"/>
+            <a:ext cx="9324616" cy="6858000"/>
+          </a:xfrm>
+          <a:prstGeom prst="rect">
+            <a:avLst/>
+          </a:prstGeom>
+        </p:spPr>
+      </p:pic>
+    </p:spTree>
+    <p:extLst>
+      <p:ext uri="{BB962C8B-B14F-4D97-AF65-F5344CB8AC3E}">
+        <p14:creationId xmlns:p14="http://schemas.microsoft.com/office/powerpoint/2010/main" val="29504525"/>
+      </p:ext>
+    </p:extLst>
+  </p:cSld>
+  <p:clrMapOvr>
+    <a:masterClrMapping/>
+  </p:clrMapOvr>
+</p:sld>
+</file>
+
+<file path=ppt/slides/slide24.xml><?xml version="1.0" encoding="utf-8"?>
+<p:sld xmlns:a="http://schemas.openxmlformats.org/drawingml/2006/main" xmlns:r="http://schemas.openxmlformats.org/officeDocument/2006/relationships" xmlns:p="http://schemas.openxmlformats.org/presentationml/2006/main">
+  <p:cSld>
+    <p:spTree>
+      <p:nvGrpSpPr>
+        <p:cNvPr id="1" name=""/>
+        <p:cNvGrpSpPr/>
+        <p:nvPr/>
+      </p:nvGrpSpPr>
+      <p:grpSpPr>
+        <a:xfrm>
+          <a:off x="0" y="0"/>
+          <a:ext cx="0" cy="0"/>
+          <a:chOff x="0" y="0"/>
+          <a:chExt cx="0" cy="0"/>
+        </a:xfrm>
+      </p:grpSpPr>
+      <p:sp>
+        <p:nvSpPr>
+          <p:cNvPr id="2" name="제목 1"/>
+          <p:cNvSpPr>
+            <a:spLocks noGrp="1"/>
+          </p:cNvSpPr>
+          <p:nvPr>
+            <p:ph type="title"/>
+          </p:nvPr>
+        </p:nvSpPr>
+        <p:spPr/>
+        <p:txBody>
+          <a:bodyPr/>
+          <a:lstStyle/>
+          <a:p>
+            <a:endParaRPr lang="ko-KR" altLang="en-US"/>
+          </a:p>
+        </p:txBody>
+      </p:sp>
+      <p:sp>
+        <p:nvSpPr>
+          <p:cNvPr id="3" name="내용 개체 틀 2"/>
+          <p:cNvSpPr>
+            <a:spLocks noGrp="1"/>
+          </p:cNvSpPr>
+          <p:nvPr>
+            <p:ph idx="1"/>
+          </p:nvPr>
+        </p:nvSpPr>
+        <p:spPr/>
+        <p:txBody>
+          <a:bodyPr/>
+          <a:lstStyle/>
+          <a:p>
+            <a:endParaRPr lang="ko-KR" altLang="en-US"/>
+          </a:p>
+        </p:txBody>
+      </p:sp>
+      <p:pic>
+        <p:nvPicPr>
+          <p:cNvPr id="4" name="그림 3"/>
+          <p:cNvPicPr>
+            <a:picLocks noChangeAspect="1"/>
+          </p:cNvPicPr>
+          <p:nvPr/>
+        </p:nvPicPr>
+        <p:blipFill>
+          <a:blip r:embed="rId2"/>
+          <a:stretch>
+            <a:fillRect/>
+          </a:stretch>
+        </p:blipFill>
+        <p:spPr>
+          <a:xfrm>
+            <a:off x="838200" y="0"/>
+            <a:ext cx="10047579" cy="6858000"/>
+          </a:xfrm>
+          <a:prstGeom prst="rect">
+            <a:avLst/>
+          </a:prstGeom>
+        </p:spPr>
+      </p:pic>
+    </p:spTree>
+    <p:extLst>
+      <p:ext uri="{BB962C8B-B14F-4D97-AF65-F5344CB8AC3E}">
+        <p14:creationId xmlns:p14="http://schemas.microsoft.com/office/powerpoint/2010/main" val="3162649634"/>
+      </p:ext>
+    </p:extLst>
+  </p:cSld>
+  <p:clrMapOvr>
+    <a:masterClrMapping/>
+  </p:clrMapOvr>
+</p:sld>
+</file>
+
+<file path=ppt/slides/slide25.xml><?xml version="1.0" encoding="utf-8"?>
+<p:sld xmlns:a="http://schemas.openxmlformats.org/drawingml/2006/main" xmlns:r="http://schemas.openxmlformats.org/officeDocument/2006/relationships" xmlns:p="http://schemas.openxmlformats.org/presentationml/2006/main">
+  <p:cSld>
+    <p:spTree>
+      <p:nvGrpSpPr>
+        <p:cNvPr id="1" name=""/>
+        <p:cNvGrpSpPr/>
+        <p:nvPr/>
+      </p:nvGrpSpPr>
+      <p:grpSpPr>
+        <a:xfrm>
+          <a:off x="0" y="0"/>
+          <a:ext cx="0" cy="0"/>
+          <a:chOff x="0" y="0"/>
+          <a:chExt cx="0" cy="0"/>
+        </a:xfrm>
+      </p:grpSpPr>
+      <p:sp>
+        <p:nvSpPr>
+          <p:cNvPr id="2" name="제목 1"/>
+          <p:cNvSpPr>
+            <a:spLocks noGrp="1"/>
+          </p:cNvSpPr>
+          <p:nvPr>
+            <p:ph type="title"/>
+          </p:nvPr>
+        </p:nvSpPr>
+        <p:spPr/>
+        <p:txBody>
+          <a:bodyPr/>
+          <a:lstStyle/>
+          <a:p>
+            <a:endParaRPr lang="ko-KR" altLang="en-US"/>
+          </a:p>
+        </p:txBody>
+      </p:sp>
+      <p:sp>
+        <p:nvSpPr>
+          <p:cNvPr id="3" name="내용 개체 틀 2"/>
+          <p:cNvSpPr>
+            <a:spLocks noGrp="1"/>
+          </p:cNvSpPr>
+          <p:nvPr>
+            <p:ph idx="1"/>
+          </p:nvPr>
+        </p:nvSpPr>
+        <p:spPr/>
+        <p:txBody>
+          <a:bodyPr/>
+          <a:lstStyle/>
+          <a:p>
+            <a:endParaRPr lang="ko-KR" altLang="en-US"/>
+          </a:p>
+        </p:txBody>
+      </p:sp>
+      <p:pic>
+        <p:nvPicPr>
+          <p:cNvPr id="4" name="그림 3"/>
+          <p:cNvPicPr>
+            <a:picLocks noChangeAspect="1"/>
+          </p:cNvPicPr>
+          <p:nvPr/>
+        </p:nvPicPr>
+        <p:blipFill>
+          <a:blip r:embed="rId2"/>
+          <a:stretch>
+            <a:fillRect/>
+          </a:stretch>
+        </p:blipFill>
+        <p:spPr>
+          <a:xfrm>
+            <a:off x="838200" y="0"/>
+            <a:ext cx="8698117" cy="6858000"/>
+          </a:xfrm>
+          <a:prstGeom prst="rect">
+            <a:avLst/>
+          </a:prstGeom>
+        </p:spPr>
+      </p:pic>
+    </p:spTree>
+    <p:extLst>
+      <p:ext uri="{BB962C8B-B14F-4D97-AF65-F5344CB8AC3E}">
+        <p14:creationId xmlns:p14="http://schemas.microsoft.com/office/powerpoint/2010/main" val="3017404326"/>
+      </p:ext>
+    </p:extLst>
+  </p:cSld>
+  <p:clrMapOvr>
+    <a:masterClrMapping/>
+  </p:clrMapOvr>
+</p:sld>
+</file>
+
+<file path=ppt/slides/slide26.xml><?xml version="1.0" encoding="utf-8"?>
+<p:sld xmlns:a="http://schemas.openxmlformats.org/drawingml/2006/main" xmlns:r="http://schemas.openxmlformats.org/officeDocument/2006/relationships" xmlns:p="http://schemas.openxmlformats.org/presentationml/2006/main">
+  <p:cSld>
+    <p:spTree>
+      <p:nvGrpSpPr>
+        <p:cNvPr id="1" name=""/>
+        <p:cNvGrpSpPr/>
+        <p:nvPr/>
+      </p:nvGrpSpPr>
+      <p:grpSpPr>
+        <a:xfrm>
+          <a:off x="0" y="0"/>
+          <a:ext cx="0" cy="0"/>
+          <a:chOff x="0" y="0"/>
+          <a:chExt cx="0" cy="0"/>
+        </a:xfrm>
+      </p:grpSpPr>
+      <p:sp>
+        <p:nvSpPr>
+          <p:cNvPr id="2" name="제목 1"/>
+          <p:cNvSpPr>
+            <a:spLocks noGrp="1"/>
+          </p:cNvSpPr>
+          <p:nvPr>
+            <p:ph type="title"/>
+          </p:nvPr>
+        </p:nvSpPr>
+        <p:spPr/>
+        <p:txBody>
+          <a:bodyPr/>
+          <a:lstStyle/>
+          <a:p>
+            <a:endParaRPr lang="ko-KR" altLang="en-US"/>
+          </a:p>
+        </p:txBody>
+      </p:sp>
+      <p:sp>
+        <p:nvSpPr>
+          <p:cNvPr id="3" name="내용 개체 틀 2"/>
+          <p:cNvSpPr>
+            <a:spLocks noGrp="1"/>
+          </p:cNvSpPr>
+          <p:nvPr>
+            <p:ph idx="1"/>
+          </p:nvPr>
+        </p:nvSpPr>
+        <p:spPr/>
+        <p:txBody>
+          <a:bodyPr/>
+          <a:lstStyle/>
+          <a:p>
+            <a:endParaRPr lang="ko-KR" altLang="en-US"/>
+          </a:p>
+        </p:txBody>
+      </p:sp>
+      <p:pic>
+        <p:nvPicPr>
+          <p:cNvPr id="4" name="그림 3"/>
+          <p:cNvPicPr>
+            <a:picLocks noChangeAspect="1"/>
+          </p:cNvPicPr>
+          <p:nvPr/>
+        </p:nvPicPr>
+        <p:blipFill>
+          <a:blip r:embed="rId2"/>
+          <a:stretch>
+            <a:fillRect/>
+          </a:stretch>
+        </p:blipFill>
+        <p:spPr>
+          <a:xfrm>
+            <a:off x="0" y="365125"/>
+            <a:ext cx="12192000" cy="1696825"/>
+          </a:xfrm>
+          <a:prstGeom prst="rect">
+            <a:avLst/>
+          </a:prstGeom>
+        </p:spPr>
+      </p:pic>
+      <p:pic>
+        <p:nvPicPr>
+          <p:cNvPr id="5" name="그림 4"/>
+          <p:cNvPicPr>
+            <a:picLocks noChangeAspect="1"/>
+          </p:cNvPicPr>
+          <p:nvPr/>
+        </p:nvPicPr>
+        <p:blipFill>
+          <a:blip r:embed="rId3"/>
+          <a:stretch>
+            <a:fillRect/>
+          </a:stretch>
+        </p:blipFill>
+        <p:spPr>
+          <a:xfrm>
+            <a:off x="0" y="2196887"/>
+            <a:ext cx="12192000" cy="2247687"/>
+          </a:xfrm>
+          <a:prstGeom prst="rect">
+            <a:avLst/>
+          </a:prstGeom>
+        </p:spPr>
+      </p:pic>
+    </p:spTree>
+    <p:extLst>
+      <p:ext uri="{BB962C8B-B14F-4D97-AF65-F5344CB8AC3E}">
+        <p14:creationId xmlns:p14="http://schemas.microsoft.com/office/powerpoint/2010/main" val="93814858"/>
       </p:ext>
     </p:extLst>
   </p:cSld>
@@ -3177,6 +4816,30 @@
           </a:p>
         </p:txBody>
       </p:sp>
+      <p:pic>
+        <p:nvPicPr>
+          <p:cNvPr id="4" name="그림 3"/>
+          <p:cNvPicPr>
+            <a:picLocks noChangeAspect="1"/>
+          </p:cNvPicPr>
+          <p:nvPr/>
+        </p:nvPicPr>
+        <p:blipFill>
+          <a:blip r:embed="rId2"/>
+          <a:stretch>
+            <a:fillRect/>
+          </a:stretch>
+        </p:blipFill>
+        <p:spPr>
+          <a:xfrm>
+            <a:off x="838200" y="0"/>
+            <a:ext cx="9973831" cy="6858000"/>
+          </a:xfrm>
+          <a:prstGeom prst="rect">
+            <a:avLst/>
+          </a:prstGeom>
+        </p:spPr>
+      </p:pic>
     </p:spTree>
     <p:extLst>
       <p:ext uri="{BB962C8B-B14F-4D97-AF65-F5344CB8AC3E}">
@@ -3245,10 +4908,518 @@
           </a:p>
         </p:txBody>
       </p:sp>
+      <p:pic>
+        <p:nvPicPr>
+          <p:cNvPr id="4" name="그림 3"/>
+          <p:cNvPicPr>
+            <a:picLocks noChangeAspect="1"/>
+          </p:cNvPicPr>
+          <p:nvPr/>
+        </p:nvPicPr>
+        <p:blipFill>
+          <a:blip r:embed="rId2"/>
+          <a:stretch>
+            <a:fillRect/>
+          </a:stretch>
+        </p:blipFill>
+        <p:spPr>
+          <a:xfrm>
+            <a:off x="827048" y="0"/>
+            <a:ext cx="10537903" cy="6858000"/>
+          </a:xfrm>
+          <a:prstGeom prst="rect">
+            <a:avLst/>
+          </a:prstGeom>
+        </p:spPr>
+      </p:pic>
     </p:spTree>
     <p:extLst>
       <p:ext uri="{BB962C8B-B14F-4D97-AF65-F5344CB8AC3E}">
         <p14:creationId xmlns:p14="http://schemas.microsoft.com/office/powerpoint/2010/main" val="1693049559"/>
+      </p:ext>
+    </p:extLst>
+  </p:cSld>
+  <p:clrMapOvr>
+    <a:masterClrMapping/>
+  </p:clrMapOvr>
+</p:sld>
+</file>
+
+<file path=ppt/slides/slide5.xml><?xml version="1.0" encoding="utf-8"?>
+<p:sld xmlns:a="http://schemas.openxmlformats.org/drawingml/2006/main" xmlns:r="http://schemas.openxmlformats.org/officeDocument/2006/relationships" xmlns:p="http://schemas.openxmlformats.org/presentationml/2006/main">
+  <p:cSld>
+    <p:spTree>
+      <p:nvGrpSpPr>
+        <p:cNvPr id="1" name=""/>
+        <p:cNvGrpSpPr/>
+        <p:nvPr/>
+      </p:nvGrpSpPr>
+      <p:grpSpPr>
+        <a:xfrm>
+          <a:off x="0" y="0"/>
+          <a:ext cx="0" cy="0"/>
+          <a:chOff x="0" y="0"/>
+          <a:chExt cx="0" cy="0"/>
+        </a:xfrm>
+      </p:grpSpPr>
+      <p:sp>
+        <p:nvSpPr>
+          <p:cNvPr id="2" name="제목 1"/>
+          <p:cNvSpPr>
+            <a:spLocks noGrp="1"/>
+          </p:cNvSpPr>
+          <p:nvPr>
+            <p:ph type="title"/>
+          </p:nvPr>
+        </p:nvSpPr>
+        <p:spPr/>
+        <p:txBody>
+          <a:bodyPr/>
+          <a:lstStyle/>
+          <a:p>
+            <a:endParaRPr lang="ko-KR" altLang="en-US"/>
+          </a:p>
+        </p:txBody>
+      </p:sp>
+      <p:sp>
+        <p:nvSpPr>
+          <p:cNvPr id="3" name="내용 개체 틀 2"/>
+          <p:cNvSpPr>
+            <a:spLocks noGrp="1"/>
+          </p:cNvSpPr>
+          <p:nvPr>
+            <p:ph idx="1"/>
+          </p:nvPr>
+        </p:nvSpPr>
+        <p:spPr/>
+        <p:txBody>
+          <a:bodyPr/>
+          <a:lstStyle/>
+          <a:p>
+            <a:endParaRPr lang="ko-KR" altLang="en-US"/>
+          </a:p>
+        </p:txBody>
+      </p:sp>
+      <p:pic>
+        <p:nvPicPr>
+          <p:cNvPr id="4" name="그림 3"/>
+          <p:cNvPicPr>
+            <a:picLocks noChangeAspect="1"/>
+          </p:cNvPicPr>
+          <p:nvPr/>
+        </p:nvPicPr>
+        <p:blipFill>
+          <a:blip r:embed="rId2"/>
+          <a:stretch>
+            <a:fillRect/>
+          </a:stretch>
+        </p:blipFill>
+        <p:spPr>
+          <a:xfrm>
+            <a:off x="838200" y="0"/>
+            <a:ext cx="10368968" cy="6858000"/>
+          </a:xfrm>
+          <a:prstGeom prst="rect">
+            <a:avLst/>
+          </a:prstGeom>
+        </p:spPr>
+      </p:pic>
+    </p:spTree>
+    <p:extLst>
+      <p:ext uri="{BB962C8B-B14F-4D97-AF65-F5344CB8AC3E}">
+        <p14:creationId xmlns:p14="http://schemas.microsoft.com/office/powerpoint/2010/main" val="1364222825"/>
+      </p:ext>
+    </p:extLst>
+  </p:cSld>
+  <p:clrMapOvr>
+    <a:masterClrMapping/>
+  </p:clrMapOvr>
+</p:sld>
+</file>
+
+<file path=ppt/slides/slide6.xml><?xml version="1.0" encoding="utf-8"?>
+<p:sld xmlns:a="http://schemas.openxmlformats.org/drawingml/2006/main" xmlns:r="http://schemas.openxmlformats.org/officeDocument/2006/relationships" xmlns:p="http://schemas.openxmlformats.org/presentationml/2006/main">
+  <p:cSld>
+    <p:spTree>
+      <p:nvGrpSpPr>
+        <p:cNvPr id="1" name=""/>
+        <p:cNvGrpSpPr/>
+        <p:nvPr/>
+      </p:nvGrpSpPr>
+      <p:grpSpPr>
+        <a:xfrm>
+          <a:off x="0" y="0"/>
+          <a:ext cx="0" cy="0"/>
+          <a:chOff x="0" y="0"/>
+          <a:chExt cx="0" cy="0"/>
+        </a:xfrm>
+      </p:grpSpPr>
+      <p:sp>
+        <p:nvSpPr>
+          <p:cNvPr id="2" name="제목 1"/>
+          <p:cNvSpPr>
+            <a:spLocks noGrp="1"/>
+          </p:cNvSpPr>
+          <p:nvPr>
+            <p:ph type="title"/>
+          </p:nvPr>
+        </p:nvSpPr>
+        <p:spPr/>
+        <p:txBody>
+          <a:bodyPr/>
+          <a:lstStyle/>
+          <a:p>
+            <a:endParaRPr lang="ko-KR" altLang="en-US"/>
+          </a:p>
+        </p:txBody>
+      </p:sp>
+      <p:sp>
+        <p:nvSpPr>
+          <p:cNvPr id="3" name="내용 개체 틀 2"/>
+          <p:cNvSpPr>
+            <a:spLocks noGrp="1"/>
+          </p:cNvSpPr>
+          <p:nvPr>
+            <p:ph idx="1"/>
+          </p:nvPr>
+        </p:nvSpPr>
+        <p:spPr/>
+        <p:txBody>
+          <a:bodyPr/>
+          <a:lstStyle/>
+          <a:p>
+            <a:endParaRPr lang="ko-KR" altLang="en-US"/>
+          </a:p>
+        </p:txBody>
+      </p:sp>
+      <p:pic>
+        <p:nvPicPr>
+          <p:cNvPr id="4" name="그림 3"/>
+          <p:cNvPicPr>
+            <a:picLocks noChangeAspect="1"/>
+          </p:cNvPicPr>
+          <p:nvPr/>
+        </p:nvPicPr>
+        <p:blipFill>
+          <a:blip r:embed="rId2"/>
+          <a:stretch>
+            <a:fillRect/>
+          </a:stretch>
+        </p:blipFill>
+        <p:spPr>
+          <a:xfrm>
+            <a:off x="225429" y="0"/>
+            <a:ext cx="11741142" cy="6858000"/>
+          </a:xfrm>
+          <a:prstGeom prst="rect">
+            <a:avLst/>
+          </a:prstGeom>
+        </p:spPr>
+      </p:pic>
+    </p:spTree>
+    <p:extLst>
+      <p:ext uri="{BB962C8B-B14F-4D97-AF65-F5344CB8AC3E}">
+        <p14:creationId xmlns:p14="http://schemas.microsoft.com/office/powerpoint/2010/main" val="4250872546"/>
+      </p:ext>
+    </p:extLst>
+  </p:cSld>
+  <p:clrMapOvr>
+    <a:masterClrMapping/>
+  </p:clrMapOvr>
+</p:sld>
+</file>
+
+<file path=ppt/slides/slide7.xml><?xml version="1.0" encoding="utf-8"?>
+<p:sld xmlns:a="http://schemas.openxmlformats.org/drawingml/2006/main" xmlns:r="http://schemas.openxmlformats.org/officeDocument/2006/relationships" xmlns:p="http://schemas.openxmlformats.org/presentationml/2006/main">
+  <p:cSld>
+    <p:spTree>
+      <p:nvGrpSpPr>
+        <p:cNvPr id="1" name=""/>
+        <p:cNvGrpSpPr/>
+        <p:nvPr/>
+      </p:nvGrpSpPr>
+      <p:grpSpPr>
+        <a:xfrm>
+          <a:off x="0" y="0"/>
+          <a:ext cx="0" cy="0"/>
+          <a:chOff x="0" y="0"/>
+          <a:chExt cx="0" cy="0"/>
+        </a:xfrm>
+      </p:grpSpPr>
+      <p:sp>
+        <p:nvSpPr>
+          <p:cNvPr id="2" name="제목 1"/>
+          <p:cNvSpPr>
+            <a:spLocks noGrp="1"/>
+          </p:cNvSpPr>
+          <p:nvPr>
+            <p:ph type="title"/>
+          </p:nvPr>
+        </p:nvSpPr>
+        <p:spPr/>
+        <p:txBody>
+          <a:bodyPr/>
+          <a:lstStyle/>
+          <a:p>
+            <a:endParaRPr lang="ko-KR" altLang="en-US"/>
+          </a:p>
+        </p:txBody>
+      </p:sp>
+      <p:sp>
+        <p:nvSpPr>
+          <p:cNvPr id="3" name="내용 개체 틀 2"/>
+          <p:cNvSpPr>
+            <a:spLocks noGrp="1"/>
+          </p:cNvSpPr>
+          <p:nvPr>
+            <p:ph idx="1"/>
+          </p:nvPr>
+        </p:nvSpPr>
+        <p:spPr/>
+        <p:txBody>
+          <a:bodyPr/>
+          <a:lstStyle/>
+          <a:p>
+            <a:endParaRPr lang="ko-KR" altLang="en-US"/>
+          </a:p>
+        </p:txBody>
+      </p:sp>
+      <p:pic>
+        <p:nvPicPr>
+          <p:cNvPr id="4" name="그림 3"/>
+          <p:cNvPicPr>
+            <a:picLocks noChangeAspect="1"/>
+          </p:cNvPicPr>
+          <p:nvPr/>
+        </p:nvPicPr>
+        <p:blipFill>
+          <a:blip r:embed="rId2"/>
+          <a:stretch>
+            <a:fillRect/>
+          </a:stretch>
+        </p:blipFill>
+        <p:spPr>
+          <a:xfrm>
+            <a:off x="4206044" y="1825625"/>
+            <a:ext cx="3779912" cy="2824549"/>
+          </a:xfrm>
+          <a:prstGeom prst="rect">
+            <a:avLst/>
+          </a:prstGeom>
+        </p:spPr>
+      </p:pic>
+    </p:spTree>
+    <p:extLst>
+      <p:ext uri="{BB962C8B-B14F-4D97-AF65-F5344CB8AC3E}">
+        <p14:creationId xmlns:p14="http://schemas.microsoft.com/office/powerpoint/2010/main" val="953129868"/>
+      </p:ext>
+    </p:extLst>
+  </p:cSld>
+  <p:clrMapOvr>
+    <a:masterClrMapping/>
+  </p:clrMapOvr>
+</p:sld>
+</file>
+
+<file path=ppt/slides/slide8.xml><?xml version="1.0" encoding="utf-8"?>
+<p:sld xmlns:a="http://schemas.openxmlformats.org/drawingml/2006/main" xmlns:r="http://schemas.openxmlformats.org/officeDocument/2006/relationships" xmlns:p="http://schemas.openxmlformats.org/presentationml/2006/main">
+  <p:cSld>
+    <p:spTree>
+      <p:nvGrpSpPr>
+        <p:cNvPr id="1" name=""/>
+        <p:cNvGrpSpPr/>
+        <p:nvPr/>
+      </p:nvGrpSpPr>
+      <p:grpSpPr>
+        <a:xfrm>
+          <a:off x="0" y="0"/>
+          <a:ext cx="0" cy="0"/>
+          <a:chOff x="0" y="0"/>
+          <a:chExt cx="0" cy="0"/>
+        </a:xfrm>
+      </p:grpSpPr>
+      <p:sp>
+        <p:nvSpPr>
+          <p:cNvPr id="2" name="제목 1"/>
+          <p:cNvSpPr>
+            <a:spLocks noGrp="1"/>
+          </p:cNvSpPr>
+          <p:nvPr>
+            <p:ph type="title"/>
+          </p:nvPr>
+        </p:nvSpPr>
+        <p:spPr/>
+        <p:txBody>
+          <a:bodyPr/>
+          <a:lstStyle/>
+          <a:p>
+            <a:endParaRPr lang="ko-KR" altLang="en-US"/>
+          </a:p>
+        </p:txBody>
+      </p:sp>
+      <p:sp>
+        <p:nvSpPr>
+          <p:cNvPr id="3" name="내용 개체 틀 2"/>
+          <p:cNvSpPr>
+            <a:spLocks noGrp="1"/>
+          </p:cNvSpPr>
+          <p:nvPr>
+            <p:ph idx="1"/>
+          </p:nvPr>
+        </p:nvSpPr>
+        <p:spPr/>
+        <p:txBody>
+          <a:bodyPr/>
+          <a:lstStyle/>
+          <a:p>
+            <a:endParaRPr lang="ko-KR" altLang="en-US"/>
+          </a:p>
+        </p:txBody>
+      </p:sp>
+      <p:pic>
+        <p:nvPicPr>
+          <p:cNvPr id="4" name="그림 3"/>
+          <p:cNvPicPr>
+            <a:picLocks noChangeAspect="1"/>
+          </p:cNvPicPr>
+          <p:nvPr/>
+        </p:nvPicPr>
+        <p:blipFill>
+          <a:blip r:embed="rId2"/>
+          <a:stretch>
+            <a:fillRect/>
+          </a:stretch>
+        </p:blipFill>
+        <p:spPr>
+          <a:xfrm>
+            <a:off x="0" y="0"/>
+            <a:ext cx="6206879" cy="6858000"/>
+          </a:xfrm>
+          <a:prstGeom prst="rect">
+            <a:avLst/>
+          </a:prstGeom>
+        </p:spPr>
+      </p:pic>
+      <p:pic>
+        <p:nvPicPr>
+          <p:cNvPr id="5" name="그림 4"/>
+          <p:cNvPicPr>
+            <a:picLocks noChangeAspect="1"/>
+          </p:cNvPicPr>
+          <p:nvPr/>
+        </p:nvPicPr>
+        <p:blipFill>
+          <a:blip r:embed="rId3"/>
+          <a:stretch>
+            <a:fillRect/>
+          </a:stretch>
+        </p:blipFill>
+        <p:spPr>
+          <a:xfrm>
+            <a:off x="6206879" y="0"/>
+            <a:ext cx="5760996" cy="6858000"/>
+          </a:xfrm>
+          <a:prstGeom prst="rect">
+            <a:avLst/>
+          </a:prstGeom>
+        </p:spPr>
+      </p:pic>
+    </p:spTree>
+    <p:extLst>
+      <p:ext uri="{BB962C8B-B14F-4D97-AF65-F5344CB8AC3E}">
+        <p14:creationId xmlns:p14="http://schemas.microsoft.com/office/powerpoint/2010/main" val="3891193109"/>
+      </p:ext>
+    </p:extLst>
+  </p:cSld>
+  <p:clrMapOvr>
+    <a:masterClrMapping/>
+  </p:clrMapOvr>
+</p:sld>
+</file>
+
+<file path=ppt/slides/slide9.xml><?xml version="1.0" encoding="utf-8"?>
+<p:sld xmlns:a="http://schemas.openxmlformats.org/drawingml/2006/main" xmlns:r="http://schemas.openxmlformats.org/officeDocument/2006/relationships" xmlns:p="http://schemas.openxmlformats.org/presentationml/2006/main">
+  <p:cSld>
+    <p:spTree>
+      <p:nvGrpSpPr>
+        <p:cNvPr id="1" name=""/>
+        <p:cNvGrpSpPr/>
+        <p:nvPr/>
+      </p:nvGrpSpPr>
+      <p:grpSpPr>
+        <a:xfrm>
+          <a:off x="0" y="0"/>
+          <a:ext cx="0" cy="0"/>
+          <a:chOff x="0" y="0"/>
+          <a:chExt cx="0" cy="0"/>
+        </a:xfrm>
+      </p:grpSpPr>
+      <p:sp>
+        <p:nvSpPr>
+          <p:cNvPr id="2" name="제목 1"/>
+          <p:cNvSpPr>
+            <a:spLocks noGrp="1"/>
+          </p:cNvSpPr>
+          <p:nvPr>
+            <p:ph type="title"/>
+          </p:nvPr>
+        </p:nvSpPr>
+        <p:spPr/>
+        <p:txBody>
+          <a:bodyPr/>
+          <a:lstStyle/>
+          <a:p>
+            <a:endParaRPr lang="ko-KR" altLang="en-US"/>
+          </a:p>
+        </p:txBody>
+      </p:sp>
+      <p:sp>
+        <p:nvSpPr>
+          <p:cNvPr id="3" name="내용 개체 틀 2"/>
+          <p:cNvSpPr>
+            <a:spLocks noGrp="1"/>
+          </p:cNvSpPr>
+          <p:nvPr>
+            <p:ph idx="1"/>
+          </p:nvPr>
+        </p:nvSpPr>
+        <p:spPr/>
+        <p:txBody>
+          <a:bodyPr/>
+          <a:lstStyle/>
+          <a:p>
+            <a:endParaRPr lang="ko-KR" altLang="en-US"/>
+          </a:p>
+        </p:txBody>
+      </p:sp>
+      <p:pic>
+        <p:nvPicPr>
+          <p:cNvPr id="4" name="그림 3"/>
+          <p:cNvPicPr>
+            <a:picLocks noChangeAspect="1"/>
+          </p:cNvPicPr>
+          <p:nvPr/>
+        </p:nvPicPr>
+        <p:blipFill>
+          <a:blip r:embed="rId2"/>
+          <a:stretch>
+            <a:fillRect/>
+          </a:stretch>
+        </p:blipFill>
+        <p:spPr>
+          <a:xfrm>
+            <a:off x="838200" y="0"/>
+            <a:ext cx="7224520" cy="6858000"/>
+          </a:xfrm>
+          <a:prstGeom prst="rect">
+            <a:avLst/>
+          </a:prstGeom>
+        </p:spPr>
+      </p:pic>
+    </p:spTree>
+    <p:extLst>
+      <p:ext uri="{BB962C8B-B14F-4D97-AF65-F5344CB8AC3E}">
+        <p14:creationId xmlns:p14="http://schemas.microsoft.com/office/powerpoint/2010/main" val="60106047"/>
       </p:ext>
     </p:extLst>
   </p:cSld>
